--- a/presentations/ISPP-santiago2024/general scheme.pptx
+++ b/presentations/ISPP-santiago2024/general scheme.pptx
@@ -104,6 +104,11 @@
       </a:defRPr>
     </a:lvl9pPr>
   </p:defaultTextStyle>
+  <p:extLst>
+    <p:ext uri="{EFAFB233-063F-42B5-8137-9DF3F51BA10A}">
+      <p15:sldGuideLst xmlns:p15="http://schemas.microsoft.com/office/powerpoint/2012/main"/>
+    </p:ext>
+  </p:extLst>
 </p:presentation>
 </file>
 
@@ -256,7 +261,7 @@
           <a:p>
             <a:fld id="{CCA6059F-D1A2-4494-9C87-A848292A956D}" type="datetimeFigureOut">
               <a:rPr lang="es-CL" smtClean="0"/>
-              <a:t>24-06-2024</a:t>
+              <a:t>04-07-2024</a:t>
             </a:fld>
             <a:endParaRPr lang="es-CL"/>
           </a:p>
@@ -456,7 +461,7 @@
           <a:p>
             <a:fld id="{CCA6059F-D1A2-4494-9C87-A848292A956D}" type="datetimeFigureOut">
               <a:rPr lang="es-CL" smtClean="0"/>
-              <a:t>24-06-2024</a:t>
+              <a:t>04-07-2024</a:t>
             </a:fld>
             <a:endParaRPr lang="es-CL"/>
           </a:p>
@@ -666,7 +671,7 @@
           <a:p>
             <a:fld id="{CCA6059F-D1A2-4494-9C87-A848292A956D}" type="datetimeFigureOut">
               <a:rPr lang="es-CL" smtClean="0"/>
-              <a:t>24-06-2024</a:t>
+              <a:t>04-07-2024</a:t>
             </a:fld>
             <a:endParaRPr lang="es-CL"/>
           </a:p>
@@ -866,7 +871,7 @@
           <a:p>
             <a:fld id="{CCA6059F-D1A2-4494-9C87-A848292A956D}" type="datetimeFigureOut">
               <a:rPr lang="es-CL" smtClean="0"/>
-              <a:t>24-06-2024</a:t>
+              <a:t>04-07-2024</a:t>
             </a:fld>
             <a:endParaRPr lang="es-CL"/>
           </a:p>
@@ -1142,7 +1147,7 @@
           <a:p>
             <a:fld id="{CCA6059F-D1A2-4494-9C87-A848292A956D}" type="datetimeFigureOut">
               <a:rPr lang="es-CL" smtClean="0"/>
-              <a:t>24-06-2024</a:t>
+              <a:t>04-07-2024</a:t>
             </a:fld>
             <a:endParaRPr lang="es-CL"/>
           </a:p>
@@ -1410,7 +1415,7 @@
           <a:p>
             <a:fld id="{CCA6059F-D1A2-4494-9C87-A848292A956D}" type="datetimeFigureOut">
               <a:rPr lang="es-CL" smtClean="0"/>
-              <a:t>24-06-2024</a:t>
+              <a:t>04-07-2024</a:t>
             </a:fld>
             <a:endParaRPr lang="es-CL"/>
           </a:p>
@@ -1825,7 +1830,7 @@
           <a:p>
             <a:fld id="{CCA6059F-D1A2-4494-9C87-A848292A956D}" type="datetimeFigureOut">
               <a:rPr lang="es-CL" smtClean="0"/>
-              <a:t>24-06-2024</a:t>
+              <a:t>04-07-2024</a:t>
             </a:fld>
             <a:endParaRPr lang="es-CL"/>
           </a:p>
@@ -1967,7 +1972,7 @@
           <a:p>
             <a:fld id="{CCA6059F-D1A2-4494-9C87-A848292A956D}" type="datetimeFigureOut">
               <a:rPr lang="es-CL" smtClean="0"/>
-              <a:t>24-06-2024</a:t>
+              <a:t>04-07-2024</a:t>
             </a:fld>
             <a:endParaRPr lang="es-CL"/>
           </a:p>
@@ -2080,7 +2085,7 @@
           <a:p>
             <a:fld id="{CCA6059F-D1A2-4494-9C87-A848292A956D}" type="datetimeFigureOut">
               <a:rPr lang="es-CL" smtClean="0"/>
-              <a:t>24-06-2024</a:t>
+              <a:t>04-07-2024</a:t>
             </a:fld>
             <a:endParaRPr lang="es-CL"/>
           </a:p>
@@ -2393,7 +2398,7 @@
           <a:p>
             <a:fld id="{CCA6059F-D1A2-4494-9C87-A848292A956D}" type="datetimeFigureOut">
               <a:rPr lang="es-CL" smtClean="0"/>
-              <a:t>24-06-2024</a:t>
+              <a:t>04-07-2024</a:t>
             </a:fld>
             <a:endParaRPr lang="es-CL"/>
           </a:p>
@@ -2682,7 +2687,7 @@
           <a:p>
             <a:fld id="{CCA6059F-D1A2-4494-9C87-A848292A956D}" type="datetimeFigureOut">
               <a:rPr lang="es-CL" smtClean="0"/>
-              <a:t>24-06-2024</a:t>
+              <a:t>04-07-2024</a:t>
             </a:fld>
             <a:endParaRPr lang="es-CL"/>
           </a:p>
@@ -2925,7 +2930,7 @@
           <a:p>
             <a:fld id="{CCA6059F-D1A2-4494-9C87-A848292A956D}" type="datetimeFigureOut">
               <a:rPr lang="es-CL" smtClean="0"/>
-              <a:t>24-06-2024</a:t>
+              <a:t>04-07-2024</a:t>
             </a:fld>
             <a:endParaRPr lang="es-CL"/>
           </a:p>
@@ -3344,120 +3349,20 @@
       </p:grpSpPr>
       <p:sp>
         <p:nvSpPr>
-          <p:cNvPr id="4" name="CuadroTexto 3">
-            <a:extLst>
-              <a:ext uri="{FF2B5EF4-FFF2-40B4-BE49-F238E27FC236}">
-                <a16:creationId xmlns:a16="http://schemas.microsoft.com/office/drawing/2014/main" id="{DF2FE3B2-4407-436E-4908-742C20BE20C7}"/>
-              </a:ext>
-            </a:extLst>
-          </p:cNvPr>
-          <p:cNvSpPr txBox="1"/>
+          <p:cNvPr id="7" name="Rectángulo 6">
+            <a:extLst>
+              <a:ext uri="{FF2B5EF4-FFF2-40B4-BE49-F238E27FC236}">
+                <a16:creationId xmlns:a16="http://schemas.microsoft.com/office/drawing/2014/main" id="{F9B8B971-33D0-1913-3F4A-CF4585826E16}"/>
+              </a:ext>
+            </a:extLst>
+          </p:cNvPr>
+          <p:cNvSpPr/>
           <p:nvPr/>
         </p:nvSpPr>
         <p:spPr>
           <a:xfrm>
-            <a:off x="1252728" y="1225296"/>
-            <a:ext cx="2395728" cy="369332"/>
-          </a:xfrm>
-          <a:prstGeom prst="rect">
-            <a:avLst/>
-          </a:prstGeom>
-          <a:noFill/>
-        </p:spPr>
-        <p:txBody>
-          <a:bodyPr wrap="square" rtlCol="0">
-            <a:spAutoFit/>
-          </a:bodyPr>
-          <a:lstStyle/>
-          <a:p>
-            <a:r>
-              <a:rPr lang="es-CL" dirty="0" err="1"/>
-              <a:t>Inequality</a:t>
-            </a:r>
-            <a:r>
-              <a:rPr lang="es-CL" dirty="0"/>
-              <a:t> </a:t>
-            </a:r>
-            <a:r>
-              <a:rPr lang="es-CL" dirty="0" err="1"/>
-              <a:t>perception</a:t>
-            </a:r>
-            <a:endParaRPr lang="es-CL" dirty="0"/>
-          </a:p>
-        </p:txBody>
-      </p:sp>
-      <p:sp>
-        <p:nvSpPr>
-          <p:cNvPr id="6" name="Rectángulo 5">
-            <a:extLst>
-              <a:ext uri="{FF2B5EF4-FFF2-40B4-BE49-F238E27FC236}">
-                <a16:creationId xmlns:a16="http://schemas.microsoft.com/office/drawing/2014/main" id="{592CC857-6D38-DA2F-959A-3856CBDC8A80}"/>
-              </a:ext>
-            </a:extLst>
-          </p:cNvPr>
-          <p:cNvSpPr/>
-          <p:nvPr/>
-        </p:nvSpPr>
-        <p:spPr>
-          <a:xfrm>
-            <a:off x="1316736" y="1051560"/>
-            <a:ext cx="2862072" cy="954548"/>
-          </a:xfrm>
-          <a:prstGeom prst="rect">
-            <a:avLst/>
-          </a:prstGeom>
-        </p:spPr>
-        <p:style>
-          <a:lnRef idx="2">
-            <a:schemeClr val="dk1"/>
-          </a:lnRef>
-          <a:fillRef idx="1">
-            <a:schemeClr val="lt1"/>
-          </a:fillRef>
-          <a:effectRef idx="0">
-            <a:schemeClr val="dk1"/>
-          </a:effectRef>
-          <a:fontRef idx="minor">
-            <a:schemeClr val="dk1"/>
-          </a:fontRef>
-        </p:style>
-        <p:txBody>
-          <a:bodyPr rtlCol="0" anchor="ctr"/>
-          <a:lstStyle/>
-          <a:p>
-            <a:pPr algn="ctr"/>
-            <a:r>
-              <a:rPr lang="en-US" sz="2800" dirty="0"/>
-              <a:t>Inequality</a:t>
-            </a:r>
-            <a:r>
-              <a:rPr lang="es-CL" sz="2800" dirty="0"/>
-              <a:t> </a:t>
-            </a:r>
-            <a:r>
-              <a:rPr lang="es-CL" sz="2800" dirty="0" err="1"/>
-              <a:t>perception</a:t>
-            </a:r>
-            <a:endParaRPr lang="es-CL" sz="2800" dirty="0"/>
-          </a:p>
-        </p:txBody>
-      </p:sp>
-      <p:sp>
-        <p:nvSpPr>
-          <p:cNvPr id="7" name="Rectángulo 6">
-            <a:extLst>
-              <a:ext uri="{FF2B5EF4-FFF2-40B4-BE49-F238E27FC236}">
-                <a16:creationId xmlns:a16="http://schemas.microsoft.com/office/drawing/2014/main" id="{F9B8B971-33D0-1913-3F4A-CF4585826E16}"/>
-              </a:ext>
-            </a:extLst>
-          </p:cNvPr>
-          <p:cNvSpPr/>
-          <p:nvPr/>
-        </p:nvSpPr>
-        <p:spPr>
-          <a:xfrm>
-            <a:off x="1316736" y="2121932"/>
-            <a:ext cx="2862072" cy="849868"/>
+            <a:off x="1021080" y="1339203"/>
+            <a:ext cx="3157728" cy="1329190"/>
           </a:xfrm>
           <a:prstGeom prst="rect">
             <a:avLst/>
